--- a/Dokumentation/Praesentation/MVP.pptx
+++ b/Dokumentation/Praesentation/MVP.pptx
@@ -5,7 +5,7 @@
     <p:sldMasterId id="2147483648" r:id="rId1"/>
   </p:sldMasterIdLst>
   <p:notesMasterIdLst>
-    <p:notesMasterId r:id="rId22"/>
+    <p:notesMasterId r:id="rId23"/>
   </p:notesMasterIdLst>
   <p:sldIdLst>
     <p:sldId id="256" r:id="rId2"/>
@@ -28,6 +28,7 @@
     <p:sldId id="274" r:id="rId19"/>
     <p:sldId id="275" r:id="rId20"/>
     <p:sldId id="276" r:id="rId21"/>
+    <p:sldId id="277" r:id="rId22"/>
   </p:sldIdLst>
   <p:sldSz cx="9144000" cy="6858000" type="screen4x3"/>
   <p:notesSz cx="6858000" cy="9144000"/>
@@ -4199,7 +4200,7 @@
         </p:nvSpPr>
         <p:spPr>
           <a:xfrm>
-            <a:off x="2436480" y="4293000"/>
+            <a:off x="1043608" y="4208920"/>
             <a:ext cx="4440600" cy="364680"/>
           </a:xfrm>
           <a:prstGeom prst="rect">
@@ -4216,7 +4217,7 @@
               </a:lnSpc>
             </a:pPr>
             <a:r>
-              <a:rPr lang="de-DE">
+              <a:rPr lang="de-DE" sz="2800" dirty="0">
                 <a:solidFill>
                   <a:srgbClr val="000000"/>
                 </a:solidFill>
@@ -4224,7 +4225,7 @@
               </a:rPr>
               <a:t>Implementierung eines virtuellen Geldbeutels</a:t>
             </a:r>
-            <a:endParaRPr/>
+            <a:endParaRPr sz="2800" dirty="0"/>
           </a:p>
         </p:txBody>
       </p:sp>
@@ -6723,7 +6724,7 @@
               <a:buChar char="•"/>
             </a:pPr>
             <a:r>
-              <a:rPr lang="de-DE" sz="3200" dirty="0" smtClean="0">
+              <a:rPr lang="de-DE" sz="4000" dirty="0" smtClean="0">
                 <a:solidFill>
                   <a:srgbClr val="000000"/>
                 </a:solidFill>
@@ -6731,7 +6732,7 @@
               </a:rPr>
               <a:t>  Einführung</a:t>
             </a:r>
-            <a:endParaRPr dirty="0"/>
+            <a:endParaRPr sz="4000" dirty="0"/>
           </a:p>
           <a:p>
             <a:pPr>
@@ -6742,7 +6743,7 @@
               <a:buChar char="•"/>
             </a:pPr>
             <a:r>
-              <a:rPr lang="de-DE" sz="3200" dirty="0" smtClean="0">
+              <a:rPr lang="de-DE" sz="4000" dirty="0" smtClean="0">
                 <a:solidFill>
                   <a:srgbClr val="000000"/>
                 </a:solidFill>
@@ -6751,7 +6752,7 @@
               <a:t>  Aufbau </a:t>
             </a:r>
             <a:r>
-              <a:rPr lang="de-DE" sz="3200" dirty="0">
+              <a:rPr lang="de-DE" sz="4000" dirty="0">
                 <a:solidFill>
                   <a:srgbClr val="000000"/>
                 </a:solidFill>
@@ -6759,7 +6760,7 @@
               </a:rPr>
               <a:t>einer MVP-Anwendung</a:t>
             </a:r>
-            <a:endParaRPr dirty="0"/>
+            <a:endParaRPr sz="4000" dirty="0"/>
           </a:p>
           <a:p>
             <a:pPr>
@@ -6770,7 +6771,7 @@
               <a:buChar char="•"/>
             </a:pPr>
             <a:r>
-              <a:rPr lang="de-DE" sz="3200" dirty="0" smtClean="0">
+              <a:rPr lang="de-DE" sz="4000" dirty="0" smtClean="0">
                 <a:solidFill>
                   <a:srgbClr val="000000"/>
                 </a:solidFill>
@@ -6779,7 +6780,7 @@
               <a:t>  Konkrete </a:t>
             </a:r>
             <a:r>
-              <a:rPr lang="de-DE" sz="3200" dirty="0">
+              <a:rPr lang="de-DE" sz="4000" dirty="0">
                 <a:solidFill>
                   <a:srgbClr val="000000"/>
                 </a:solidFill>
@@ -6787,7 +6788,7 @@
               </a:rPr>
               <a:t>Problemstellung</a:t>
             </a:r>
-            <a:endParaRPr dirty="0"/>
+            <a:endParaRPr sz="4000" dirty="0"/>
           </a:p>
           <a:p>
             <a:pPr>
@@ -6798,7 +6799,7 @@
               <a:buChar char="•"/>
             </a:pPr>
             <a:r>
-              <a:rPr lang="de-DE" sz="3200" dirty="0" smtClean="0">
+              <a:rPr lang="de-DE" sz="4000" dirty="0" smtClean="0">
                 <a:solidFill>
                   <a:srgbClr val="000000"/>
                 </a:solidFill>
@@ -6807,7 +6808,7 @@
               <a:t>  Mögliche </a:t>
             </a:r>
             <a:r>
-              <a:rPr lang="de-DE" sz="3200" dirty="0">
+              <a:rPr lang="de-DE" sz="4000" dirty="0">
                 <a:solidFill>
                   <a:srgbClr val="000000"/>
                 </a:solidFill>
@@ -6815,7 +6816,7 @@
               </a:rPr>
               <a:t>Lösung</a:t>
             </a:r>
-            <a:endParaRPr dirty="0"/>
+            <a:endParaRPr sz="4000" dirty="0"/>
           </a:p>
           <a:p>
             <a:pPr>
@@ -6826,7 +6827,7 @@
               <a:buChar char="•"/>
             </a:pPr>
             <a:r>
-              <a:rPr lang="de-DE" sz="3200" dirty="0" smtClean="0">
+              <a:rPr lang="de-DE" sz="4000" dirty="0" smtClean="0">
                 <a:solidFill>
                   <a:srgbClr val="000000"/>
                 </a:solidFill>
@@ -6835,7 +6836,7 @@
               <a:t>  Vor </a:t>
             </a:r>
             <a:r>
-              <a:rPr lang="de-DE" sz="3200" dirty="0">
+              <a:rPr lang="de-DE" sz="4000" dirty="0">
                 <a:solidFill>
                   <a:srgbClr val="000000"/>
                 </a:solidFill>
@@ -6843,7 +6844,7 @@
               </a:rPr>
               <a:t>und Nachteile</a:t>
             </a:r>
-            <a:endParaRPr dirty="0"/>
+            <a:endParaRPr sz="4000" dirty="0"/>
           </a:p>
           <a:p>
             <a:pPr>
@@ -6854,7 +6855,7 @@
               <a:buChar char="•"/>
             </a:pPr>
             <a:r>
-              <a:rPr lang="de-DE" sz="3200" dirty="0" smtClean="0">
+              <a:rPr lang="de-DE" sz="4000" dirty="0" smtClean="0">
                 <a:solidFill>
                   <a:srgbClr val="000000"/>
                 </a:solidFill>
@@ -6862,7 +6863,7 @@
               </a:rPr>
               <a:t>  Fazit</a:t>
             </a:r>
-            <a:endParaRPr dirty="0"/>
+            <a:endParaRPr sz="4000" dirty="0"/>
           </a:p>
         </p:txBody>
       </p:sp>
@@ -7344,6 +7345,188 @@
 </p:sld>
 </file>
 
+<file path=ppt/slides/slide21.xml><?xml version="1.0" encoding="utf-8"?>
+<p:sld xmlns:a="http://schemas.openxmlformats.org/drawingml/2006/main" xmlns:r="http://schemas.openxmlformats.org/officeDocument/2006/relationships" xmlns:p="http://schemas.openxmlformats.org/presentationml/2006/main">
+  <p:cSld>
+    <p:spTree>
+      <p:nvGrpSpPr>
+        <p:cNvPr id="1" name=""/>
+        <p:cNvGrpSpPr/>
+        <p:nvPr/>
+      </p:nvGrpSpPr>
+      <p:grpSpPr>
+        <a:xfrm>
+          <a:off x="0" y="0"/>
+          <a:ext cx="0" cy="0"/>
+          <a:chOff x="0" y="0"/>
+          <a:chExt cx="0" cy="0"/>
+        </a:xfrm>
+      </p:grpSpPr>
+      <p:sp>
+        <p:nvSpPr>
+          <p:cNvPr id="2" name="Textfeld 1"/>
+          <p:cNvSpPr txBox="1"/>
+          <p:nvPr/>
+        </p:nvSpPr>
+        <p:spPr>
+          <a:xfrm>
+            <a:off x="309340" y="836712"/>
+            <a:ext cx="6120680" cy="707886"/>
+          </a:xfrm>
+          <a:prstGeom prst="rect">
+            <a:avLst/>
+          </a:prstGeom>
+          <a:noFill/>
+        </p:spPr>
+        <p:txBody>
+          <a:bodyPr wrap="square" rtlCol="0">
+            <a:spAutoFit/>
+          </a:bodyPr>
+          <a:lstStyle/>
+          <a:p>
+            <a:r>
+              <a:rPr lang="de-DE" sz="4000" u="sng" dirty="0" smtClean="0">
+                <a:effectLst>
+                  <a:outerShdw blurRad="38100" dist="38100" dir="2700000" algn="tl">
+                    <a:srgbClr val="000000">
+                      <a:alpha val="43137"/>
+                    </a:srgbClr>
+                  </a:outerShdw>
+                </a:effectLst>
+              </a:rPr>
+              <a:t>Quellen</a:t>
+            </a:r>
+          </a:p>
+        </p:txBody>
+      </p:sp>
+      <p:sp>
+        <p:nvSpPr>
+          <p:cNvPr id="3" name="Textfeld 2"/>
+          <p:cNvSpPr txBox="1"/>
+          <p:nvPr/>
+        </p:nvSpPr>
+        <p:spPr>
+          <a:xfrm>
+            <a:off x="309340" y="1916832"/>
+            <a:ext cx="8352928" cy="3554819"/>
+          </a:xfrm>
+          <a:prstGeom prst="rect">
+            <a:avLst/>
+          </a:prstGeom>
+          <a:noFill/>
+        </p:spPr>
+        <p:txBody>
+          <a:bodyPr wrap="square" rtlCol="0">
+            <a:spAutoFit/>
+          </a:bodyPr>
+          <a:lstStyle/>
+          <a:p>
+            <a:r>
+              <a:rPr lang="en-US" sz="2500" u="sng" dirty="0" smtClean="0"/>
+              <a:t>Paper von </a:t>
+            </a:r>
+            <a:r>
+              <a:rPr lang="en-US" sz="2500" u="sng" dirty="0" err="1" smtClean="0"/>
+              <a:t>Taligant</a:t>
+            </a:r>
+            <a:r>
+              <a:rPr lang="en-US" sz="2500" u="sng" dirty="0" smtClean="0"/>
+              <a:t> &amp; IBM:</a:t>
+            </a:r>
+            <a:endParaRPr lang="en-US" sz="2500" u="sng" dirty="0"/>
+          </a:p>
+          <a:p>
+            <a:r>
+              <a:rPr lang="en-US" sz="2500" dirty="0" smtClean="0"/>
+              <a:t>http</a:t>
+            </a:r>
+            <a:r>
+              <a:rPr lang="en-US" sz="2500" dirty="0"/>
+              <a:t>://www.wildcrest.com/Potel/Portfolio/mvp.pdf</a:t>
+            </a:r>
+          </a:p>
+          <a:p>
+            <a:endParaRPr lang="en-US" sz="2500" dirty="0" smtClean="0"/>
+          </a:p>
+          <a:p>
+            <a:r>
+              <a:rPr lang="en-US" sz="2500" u="sng" dirty="0" err="1" smtClean="0"/>
+              <a:t>Internetauftritt</a:t>
+            </a:r>
+            <a:r>
+              <a:rPr lang="en-US" sz="2500" u="sng" dirty="0" smtClean="0"/>
+              <a:t> von Martin Fowler</a:t>
+            </a:r>
+          </a:p>
+          <a:p>
+            <a:r>
+              <a:rPr lang="en-US" sz="2500" dirty="0" smtClean="0"/>
+              <a:t>http</a:t>
+            </a:r>
+            <a:r>
+              <a:rPr lang="en-US" sz="2500" dirty="0"/>
+              <a:t>://</a:t>
+            </a:r>
+            <a:r>
+              <a:rPr lang="en-US" sz="2500" dirty="0" smtClean="0"/>
+              <a:t>www.martinfowler.com/</a:t>
+            </a:r>
+            <a:endParaRPr lang="en-US" sz="2500" dirty="0"/>
+          </a:p>
+          <a:p>
+            <a:endParaRPr lang="en-US" sz="2500" dirty="0" smtClean="0"/>
+          </a:p>
+          <a:p>
+            <a:r>
+              <a:rPr lang="en-US" sz="2500" u="sng" dirty="0" smtClean="0"/>
+              <a:t>IEEE-Paper</a:t>
+            </a:r>
+            <a:r>
+              <a:rPr lang="en-US" sz="2500" u="sng" dirty="0"/>
+              <a:t>: </a:t>
+            </a:r>
+            <a:endParaRPr lang="en-US" sz="2500" u="sng" dirty="0" smtClean="0"/>
+          </a:p>
+          <a:p>
+            <a:r>
+              <a:rPr lang="en-US" sz="2500" dirty="0" smtClean="0"/>
+              <a:t>An </a:t>
+            </a:r>
+            <a:r>
+              <a:rPr lang="en-US" sz="2500" dirty="0"/>
+              <a:t>Architecture and Implement Model for </a:t>
+            </a:r>
+            <a:r>
+              <a:rPr lang="en-US" sz="2500" dirty="0" smtClean="0"/>
+              <a:t>Model-	    </a:t>
+            </a:r>
+          </a:p>
+          <a:p>
+            <a:r>
+              <a:rPr lang="en-US" sz="2500" dirty="0" smtClean="0"/>
+              <a:t>View-Presenter </a:t>
+            </a:r>
+            <a:r>
+              <a:rPr lang="en-US" sz="2500" dirty="0"/>
+              <a:t>Pattern </a:t>
+            </a:r>
+            <a:endParaRPr lang="de-DE" sz="2500" dirty="0"/>
+          </a:p>
+        </p:txBody>
+      </p:sp>
+    </p:spTree>
+    <p:extLst>
+      <p:ext uri="{BB962C8B-B14F-4D97-AF65-F5344CB8AC3E}">
+        <p14:creationId xmlns:p14="http://schemas.microsoft.com/office/powerpoint/2010/main" val="1622787467"/>
+      </p:ext>
+    </p:extLst>
+  </p:cSld>
+  <p:clrMapOvr>
+    <a:masterClrMapping/>
+  </p:clrMapOvr>
+</p:sld>
+</file>
+
 <file path=ppt/slides/slide3.xml><?xml version="1.0" encoding="utf-8"?>
 <p:sld xmlns:a="http://schemas.openxmlformats.org/drawingml/2006/main" xmlns:r="http://schemas.openxmlformats.org/officeDocument/2006/relationships" xmlns:p="http://schemas.openxmlformats.org/presentationml/2006/main">
   <p:cSld>
@@ -7453,8 +7636,8 @@
         </p:nvSpPr>
         <p:spPr>
           <a:xfrm>
-            <a:off x="457200" y="2060848"/>
-            <a:ext cx="8290800" cy="3456208"/>
+            <a:off x="107504" y="2038896"/>
+            <a:ext cx="7162560" cy="3456208"/>
           </a:xfrm>
           <a:prstGeom prst="rect">
             <a:avLst/>
@@ -7519,7 +7702,7 @@
                 </a:solidFill>
                 <a:latin typeface="Calibri"/>
               </a:rPr>
-              <a:t>Von </a:t>
+              <a:t> Von </a:t>
             </a:r>
             <a:r>
               <a:rPr lang="de-DE" sz="3200" dirty="0" err="1">
@@ -7720,6 +7903,93 @@
               <a:t>3</a:t>
             </a:fld>
             <a:endParaRPr dirty="0"/>
+          </a:p>
+        </p:txBody>
+      </p:sp>
+      <p:pic>
+        <p:nvPicPr>
+          <p:cNvPr id="1026" name="Picture 2" descr="http://1.2.3.11/bmi/farm4.staticflickr.com/3292/2933030620_8da5039042.jpg"/>
+          <p:cNvPicPr>
+            <a:picLocks noChangeAspect="1" noChangeArrowheads="1"/>
+          </p:cNvPicPr>
+          <p:nvPr/>
+        </p:nvPicPr>
+        <p:blipFill>
+          <a:blip r:embed="rId2">
+            <a:extLst>
+              <a:ext uri="{28A0092B-C50C-407E-A947-70E740481C1C}">
+                <a14:useLocalDpi xmlns:a14="http://schemas.microsoft.com/office/drawing/2010/main" val="0"/>
+              </a:ext>
+            </a:extLst>
+          </a:blip>
+          <a:srcRect/>
+          <a:stretch>
+            <a:fillRect/>
+          </a:stretch>
+        </p:blipFill>
+        <p:spPr bwMode="auto">
+          <a:xfrm>
+            <a:off x="6136550" y="1528540"/>
+            <a:ext cx="2966420" cy="2260412"/>
+          </a:xfrm>
+          <a:prstGeom prst="rect">
+            <a:avLst/>
+          </a:prstGeom>
+          <a:noFill/>
+          <a:extLst>
+            <a:ext uri="{909E8E84-426E-40DD-AFC4-6F175D3DCCD1}">
+              <a14:hiddenFill xmlns:a14="http://schemas.microsoft.com/office/drawing/2010/main">
+                <a:solidFill>
+                  <a:srgbClr val="FFFFFF"/>
+                </a:solidFill>
+              </a14:hiddenFill>
+            </a:ext>
+          </a:extLst>
+        </p:spPr>
+      </p:pic>
+      <p:sp>
+        <p:nvSpPr>
+          <p:cNvPr id="4" name="Pfeil nach links und oben 3"/>
+          <p:cNvSpPr/>
+          <p:nvPr/>
+        </p:nvSpPr>
+        <p:spPr>
+          <a:xfrm>
+            <a:off x="6948264" y="3590404"/>
+            <a:ext cx="1147824" cy="720168"/>
+          </a:xfrm>
+          <a:prstGeom prst="leftUpArrow">
+            <a:avLst/>
+          </a:prstGeom>
+          <a:solidFill>
+            <a:schemeClr val="accent6"/>
+          </a:solidFill>
+          <a:ln>
+            <a:noFill/>
+          </a:ln>
+        </p:spPr>
+        <p:style>
+          <a:lnRef idx="2">
+            <a:schemeClr val="accent1">
+              <a:shade val="50000"/>
+            </a:schemeClr>
+          </a:lnRef>
+          <a:fillRef idx="1">
+            <a:schemeClr val="accent1"/>
+          </a:fillRef>
+          <a:effectRef idx="0">
+            <a:schemeClr val="accent1"/>
+          </a:effectRef>
+          <a:fontRef idx="minor">
+            <a:schemeClr val="lt1"/>
+          </a:fontRef>
+        </p:style>
+        <p:txBody>
+          <a:bodyPr rtlCol="0" anchor="ctr"/>
+          <a:lstStyle/>
+          <a:p>
+            <a:pPr algn="ctr"/>
+            <a:endParaRPr lang="de-DE"/>
           </a:p>
         </p:txBody>
       </p:sp>
@@ -7940,24 +8210,43 @@
       </p:sp>
       <p:pic>
         <p:nvPicPr>
-          <p:cNvPr id="196" name="Picture 2"/>
-          <p:cNvPicPr/>
+          <p:cNvPr id="2050" name="Picture 2" descr="D:\sync_repo\git_repos\6. Semester\Design-Pattern-MVC_Team_git\ausarbeitung_latex\figure\MVP\MVP_Explanation.png"/>
+          <p:cNvPicPr>
+            <a:picLocks noChangeAspect="1" noChangeArrowheads="1"/>
+          </p:cNvPicPr>
           <p:nvPr/>
         </p:nvPicPr>
         <p:blipFill>
-          <a:blip r:embed="rId2"/>
+          <a:blip r:embed="rId2">
+            <a:extLst>
+              <a:ext uri="{28A0092B-C50C-407E-A947-70E740481C1C}">
+                <a14:useLocalDpi xmlns:a14="http://schemas.microsoft.com/office/drawing/2010/main" val="0"/>
+              </a:ext>
+            </a:extLst>
+          </a:blip>
+          <a:srcRect/>
           <a:stretch>
             <a:fillRect/>
           </a:stretch>
         </p:blipFill>
-        <p:spPr>
-          <a:xfrm>
-            <a:off x="2627640" y="3270600"/>
-            <a:ext cx="3810240" cy="2962440"/>
-          </a:xfrm>
-          <a:prstGeom prst="rect">
-            <a:avLst/>
-          </a:prstGeom>
+        <p:spPr bwMode="auto">
+          <a:xfrm>
+            <a:off x="2303568" y="3021710"/>
+            <a:ext cx="4536504" cy="3103036"/>
+          </a:xfrm>
+          <a:prstGeom prst="rect">
+            <a:avLst/>
+          </a:prstGeom>
+          <a:noFill/>
+          <a:extLst>
+            <a:ext uri="{909E8E84-426E-40DD-AFC4-6F175D3DCCD1}">
+              <a14:hiddenFill xmlns:a14="http://schemas.microsoft.com/office/drawing/2010/main">
+                <a:solidFill>
+                  <a:srgbClr val="FFFFFF"/>
+                </a:solidFill>
+              </a14:hiddenFill>
+            </a:ext>
+          </a:extLst>
         </p:spPr>
       </p:pic>
     </p:spTree>

--- a/Dokumentation/Praesentation/MVP.pptx
+++ b/Dokumentation/Praesentation/MVP.pptx
@@ -5063,15 +5063,30 @@
               </a:lnSpc>
             </a:pPr>
             <a:r>
-              <a:rPr lang="de-DE" sz="3200">
-                <a:solidFill>
-                  <a:srgbClr val="000000"/>
-                </a:solidFill>
+              <a:rPr lang="de-DE" sz="3200" u="sng" dirty="0">
+                <a:solidFill>
+                  <a:srgbClr val="000000"/>
+                </a:solidFill>
+                <a:effectLst>
+                  <a:outerShdw blurRad="38100" dist="38100" dir="2700000" algn="tl">
+                    <a:srgbClr val="000000">
+                      <a:alpha val="43137"/>
+                    </a:srgbClr>
+                  </a:outerShdw>
+                </a:effectLst>
                 <a:latin typeface="Calibri"/>
               </a:rPr>
               <a:t>Was muss unsere View können?</a:t>
             </a:r>
-            <a:endParaRPr/>
+            <a:endParaRPr u="sng" dirty="0">
+              <a:effectLst>
+                <a:outerShdw blurRad="38100" dist="38100" dir="2700000" algn="tl">
+                  <a:srgbClr val="000000">
+                    <a:alpha val="43137"/>
+                  </a:srgbClr>
+                </a:outerShdw>
+              </a:effectLst>
+            </a:endParaRPr>
           </a:p>
         </p:txBody>
       </p:sp>
@@ -5347,15 +5362,62 @@
               </a:lnSpc>
             </a:pPr>
             <a:r>
-              <a:rPr lang="de-DE" sz="3200">
-                <a:solidFill>
-                  <a:srgbClr val="000000"/>
-                </a:solidFill>
-                <a:latin typeface="Calibri"/>
-              </a:rPr>
-              <a:t>Was muss unser Model könnnen?</a:t>
-            </a:r>
-            <a:endParaRPr/>
+              <a:rPr lang="de-DE" sz="3200" u="sng" dirty="0">
+                <a:solidFill>
+                  <a:srgbClr val="000000"/>
+                </a:solidFill>
+                <a:effectLst>
+                  <a:outerShdw blurRad="38100" dist="38100" dir="2700000" algn="tl">
+                    <a:srgbClr val="000000">
+                      <a:alpha val="43137"/>
+                    </a:srgbClr>
+                  </a:outerShdw>
+                </a:effectLst>
+                <a:latin typeface="Calibri"/>
+              </a:rPr>
+              <a:t>Was muss unser Model </a:t>
+            </a:r>
+            <a:r>
+              <a:rPr lang="de-DE" sz="3200" u="sng" dirty="0" smtClean="0">
+                <a:solidFill>
+                  <a:srgbClr val="000000"/>
+                </a:solidFill>
+                <a:effectLst>
+                  <a:outerShdw blurRad="38100" dist="38100" dir="2700000" algn="tl">
+                    <a:srgbClr val="000000">
+                      <a:alpha val="43137"/>
+                    </a:srgbClr>
+                  </a:outerShdw>
+                </a:effectLst>
+                <a:latin typeface="Calibri"/>
+              </a:rPr>
+              <a:t>können</a:t>
+            </a:r>
+            <a:r>
+              <a:rPr lang="de-DE" sz="3200" u="sng" dirty="0">
+                <a:solidFill>
+                  <a:srgbClr val="000000"/>
+                </a:solidFill>
+                <a:effectLst>
+                  <a:outerShdw blurRad="38100" dist="38100" dir="2700000" algn="tl">
+                    <a:srgbClr val="000000">
+                      <a:alpha val="43137"/>
+                    </a:srgbClr>
+                  </a:outerShdw>
+                </a:effectLst>
+                <a:latin typeface="Calibri"/>
+              </a:rPr>
+              <a:t>?</a:t>
+            </a:r>
+            <a:endParaRPr u="sng" dirty="0">
+              <a:effectLst>
+                <a:outerShdw blurRad="38100" dist="38100" dir="2700000" algn="tl">
+                  <a:srgbClr val="000000">
+                    <a:alpha val="43137"/>
+                  </a:srgbClr>
+                </a:outerShdw>
+              </a:effectLst>
+            </a:endParaRPr>
           </a:p>
         </p:txBody>
       </p:sp>
@@ -5673,15 +5735,62 @@
               </a:lnSpc>
             </a:pPr>
             <a:r>
-              <a:rPr lang="de-DE" sz="3200">
-                <a:solidFill>
-                  <a:srgbClr val="000000"/>
-                </a:solidFill>
-                <a:latin typeface="Calibri"/>
-              </a:rPr>
-              <a:t>2. Presenter definieren </a:t>
-            </a:r>
-            <a:endParaRPr/>
+              <a:rPr lang="de-DE" sz="3200" u="sng" dirty="0" err="1" smtClean="0">
+                <a:solidFill>
+                  <a:srgbClr val="000000"/>
+                </a:solidFill>
+                <a:effectLst>
+                  <a:outerShdw blurRad="38100" dist="38100" dir="2700000" algn="tl">
+                    <a:srgbClr val="000000">
+                      <a:alpha val="43137"/>
+                    </a:srgbClr>
+                  </a:outerShdw>
+                </a:effectLst>
+                <a:latin typeface="Calibri"/>
+              </a:rPr>
+              <a:t>Presenter</a:t>
+            </a:r>
+            <a:r>
+              <a:rPr lang="de-DE" sz="3200" u="sng" dirty="0" smtClean="0">
+                <a:solidFill>
+                  <a:srgbClr val="000000"/>
+                </a:solidFill>
+                <a:effectLst>
+                  <a:outerShdw blurRad="38100" dist="38100" dir="2700000" algn="tl">
+                    <a:srgbClr val="000000">
+                      <a:alpha val="43137"/>
+                    </a:srgbClr>
+                  </a:outerShdw>
+                </a:effectLst>
+                <a:latin typeface="Calibri"/>
+              </a:rPr>
+              <a:t> </a:t>
+            </a:r>
+            <a:r>
+              <a:rPr lang="de-DE" sz="3200" u="sng" dirty="0">
+                <a:solidFill>
+                  <a:srgbClr val="000000"/>
+                </a:solidFill>
+                <a:effectLst>
+                  <a:outerShdw blurRad="38100" dist="38100" dir="2700000" algn="tl">
+                    <a:srgbClr val="000000">
+                      <a:alpha val="43137"/>
+                    </a:srgbClr>
+                  </a:outerShdw>
+                </a:effectLst>
+                <a:latin typeface="Calibri"/>
+              </a:rPr>
+              <a:t>definieren </a:t>
+            </a:r>
+            <a:endParaRPr u="sng" dirty="0">
+              <a:effectLst>
+                <a:outerShdw blurRad="38100" dist="38100" dir="2700000" algn="tl">
+                  <a:srgbClr val="000000">
+                    <a:alpha val="43137"/>
+                  </a:srgbClr>
+                </a:outerShdw>
+              </a:effectLst>
+            </a:endParaRPr>
           </a:p>
         </p:txBody>
       </p:sp>
@@ -5772,7 +5881,7 @@
         </p:nvSpPr>
         <p:spPr>
           <a:xfrm>
-            <a:off x="457200" y="1845000"/>
+            <a:off x="457200" y="2421176"/>
             <a:ext cx="8229240" cy="2592000"/>
           </a:xfrm>
           <a:prstGeom prst="rect">
@@ -5791,15 +5900,38 @@
               <a:buChar char="•"/>
             </a:pPr>
             <a:r>
-              <a:rPr lang="de-DE" sz="3200">
-                <a:solidFill>
-                  <a:srgbClr val="000000"/>
-                </a:solidFill>
-                <a:latin typeface="Calibri"/>
-              </a:rPr>
-              <a:t>Benutzereingaben durch die View interpretieren -&gt; Bereitstellung von Handlern </a:t>
-            </a:r>
-            <a:endParaRPr/>
+              <a:rPr lang="de-DE" sz="3200" dirty="0" smtClean="0">
+                <a:solidFill>
+                  <a:srgbClr val="000000"/>
+                </a:solidFill>
+                <a:latin typeface="Calibri"/>
+              </a:rPr>
+              <a:t> Benutzereingaben </a:t>
+            </a:r>
+            <a:r>
+              <a:rPr lang="de-DE" sz="3200" dirty="0">
+                <a:solidFill>
+                  <a:srgbClr val="000000"/>
+                </a:solidFill>
+                <a:latin typeface="Calibri"/>
+              </a:rPr>
+              <a:t>durch die View </a:t>
+            </a:r>
+            <a:r>
+              <a:rPr lang="de-DE" sz="3200" dirty="0" smtClean="0">
+                <a:solidFill>
+                  <a:srgbClr val="000000"/>
+                </a:solidFill>
+                <a:latin typeface="Calibri"/>
+              </a:rPr>
+              <a:t>reagieren und diese interpretieren -&gt; Observer für View</a:t>
+            </a:r>
+            <a:endParaRPr lang="de-DE" sz="3200" dirty="0">
+              <a:solidFill>
+                <a:srgbClr val="000000"/>
+              </a:solidFill>
+              <a:latin typeface="Calibri"/>
+            </a:endParaRPr>
           </a:p>
           <a:p>
             <a:pPr>
@@ -5809,16 +5941,35 @@
               <a:buFont typeface="Arial"/>
               <a:buChar char="•"/>
             </a:pPr>
-            <a:r>
-              <a:rPr lang="de-DE" sz="3200">
-                <a:solidFill>
-                  <a:srgbClr val="000000"/>
-                </a:solidFill>
-                <a:latin typeface="Calibri"/>
-              </a:rPr>
-              <a:t>Anzeige des aktuellen Geldbetrags des Models in der View</a:t>
-            </a:r>
-            <a:endParaRPr/>
+            <a:endParaRPr dirty="0"/>
+          </a:p>
+          <a:p>
+            <a:pPr>
+              <a:lnSpc>
+                <a:spcPct val="100000"/>
+              </a:lnSpc>
+              <a:buFont typeface="Arial"/>
+              <a:buChar char="•"/>
+            </a:pPr>
+            <a:r>
+              <a:rPr lang="de-DE" sz="3200" dirty="0" smtClean="0">
+                <a:solidFill>
+                  <a:srgbClr val="000000"/>
+                </a:solidFill>
+                <a:latin typeface="Calibri"/>
+              </a:rPr>
+              <a:t> Anzeige </a:t>
+            </a:r>
+            <a:r>
+              <a:rPr lang="de-DE" sz="3200" dirty="0">
+                <a:solidFill>
+                  <a:srgbClr val="000000"/>
+                </a:solidFill>
+                <a:latin typeface="Calibri"/>
+              </a:rPr>
+              <a:t>des aktuellen Geldbetrags des Models in der View</a:t>
+            </a:r>
+            <a:endParaRPr dirty="0"/>
           </a:p>
         </p:txBody>
       </p:sp>
@@ -5867,7 +6018,7 @@
         </p:nvSpPr>
         <p:spPr>
           <a:xfrm>
-            <a:off x="457200" y="764640"/>
+            <a:off x="173464" y="779980"/>
             <a:ext cx="8229240" cy="935640"/>
           </a:xfrm>
           <a:prstGeom prst="rect">
@@ -5884,15 +6035,46 @@
               </a:lnSpc>
             </a:pPr>
             <a:r>
-              <a:rPr lang="de-DE" sz="3200">
-                <a:solidFill>
-                  <a:srgbClr val="000000"/>
-                </a:solidFill>
-                <a:latin typeface="Calibri"/>
-              </a:rPr>
-              <a:t>Klassendiagramm einer möglichen Lösung</a:t>
-            </a:r>
-            <a:endParaRPr/>
+              <a:rPr lang="de-DE" sz="3200" u="sng" dirty="0">
+                <a:solidFill>
+                  <a:srgbClr val="000000"/>
+                </a:solidFill>
+                <a:effectLst>
+                  <a:outerShdw blurRad="38100" dist="38100" dir="2700000" algn="tl">
+                    <a:srgbClr val="000000">
+                      <a:alpha val="43137"/>
+                    </a:srgbClr>
+                  </a:outerShdw>
+                </a:effectLst>
+                <a:latin typeface="Calibri"/>
+              </a:rPr>
+              <a:t>Klassendiagramm einer </a:t>
+            </a:r>
+            <a:r>
+              <a:rPr lang="de-DE" sz="3200" u="sng" dirty="0" smtClean="0">
+                <a:solidFill>
+                  <a:srgbClr val="000000"/>
+                </a:solidFill>
+                <a:effectLst>
+                  <a:outerShdw blurRad="38100" dist="38100" dir="2700000" algn="tl">
+                    <a:srgbClr val="000000">
+                      <a:alpha val="43137"/>
+                    </a:srgbClr>
+                  </a:outerShdw>
+                </a:effectLst>
+                <a:latin typeface="Calibri"/>
+              </a:rPr>
+              <a:t>Lösung</a:t>
+            </a:r>
+            <a:endParaRPr u="sng" dirty="0">
+              <a:effectLst>
+                <a:outerShdw blurRad="38100" dist="38100" dir="2700000" algn="tl">
+                  <a:srgbClr val="000000">
+                    <a:alpha val="43137"/>
+                  </a:srgbClr>
+                </a:outerShdw>
+              </a:effectLst>
+            </a:endParaRPr>
           </a:p>
         </p:txBody>
       </p:sp>
@@ -6059,15 +6241,30 @@
               </a:lnSpc>
             </a:pPr>
             <a:r>
-              <a:rPr lang="de-DE" sz="3200">
-                <a:solidFill>
-                  <a:srgbClr val="000000"/>
-                </a:solidFill>
+              <a:rPr lang="de-DE" sz="3200" u="sng" dirty="0">
+                <a:solidFill>
+                  <a:srgbClr val="000000"/>
+                </a:solidFill>
+                <a:effectLst>
+                  <a:outerShdw blurRad="38100" dist="38100" dir="2700000" algn="tl">
+                    <a:srgbClr val="000000">
+                      <a:alpha val="43137"/>
+                    </a:srgbClr>
+                  </a:outerShdw>
+                </a:effectLst>
                 <a:latin typeface="Calibri"/>
               </a:rPr>
               <a:t>Vorteile</a:t>
             </a:r>
-            <a:endParaRPr/>
+            <a:endParaRPr u="sng" dirty="0">
+              <a:effectLst>
+                <a:outerShdw blurRad="38100" dist="38100" dir="2700000" algn="tl">
+                  <a:srgbClr val="000000">
+                    <a:alpha val="43137"/>
+                  </a:srgbClr>
+                </a:outerShdw>
+              </a:effectLst>
+            </a:endParaRPr>
           </a:p>
         </p:txBody>
       </p:sp>
@@ -6098,15 +6295,51 @@
               <a:buChar char="•"/>
             </a:pPr>
             <a:r>
-              <a:rPr lang="de-DE" sz="3200">
-                <a:solidFill>
-                  <a:srgbClr val="000000"/>
-                </a:solidFill>
-                <a:latin typeface="Calibri"/>
-              </a:rPr>
-              <a:t>Komponten/Module sind austauschbar</a:t>
-            </a:r>
-            <a:endParaRPr/>
+              <a:rPr lang="de-DE" sz="3200" dirty="0" smtClean="0">
+                <a:solidFill>
+                  <a:srgbClr val="000000"/>
+                </a:solidFill>
+                <a:latin typeface="Calibri"/>
+              </a:rPr>
+              <a:t> </a:t>
+            </a:r>
+            <a:r>
+              <a:rPr lang="de-DE" sz="3200" dirty="0" err="1" smtClean="0">
+                <a:solidFill>
+                  <a:srgbClr val="000000"/>
+                </a:solidFill>
+                <a:latin typeface="Calibri"/>
+              </a:rPr>
+              <a:t>Komponten</a:t>
+            </a:r>
+            <a:r>
+              <a:rPr lang="de-DE" sz="3200" dirty="0" smtClean="0">
+                <a:solidFill>
+                  <a:srgbClr val="000000"/>
+                </a:solidFill>
+                <a:latin typeface="Calibri"/>
+              </a:rPr>
+              <a:t>/Module </a:t>
+            </a:r>
+            <a:r>
+              <a:rPr lang="de-DE" sz="3200" dirty="0">
+                <a:solidFill>
+                  <a:srgbClr val="000000"/>
+                </a:solidFill>
+                <a:latin typeface="Calibri"/>
+              </a:rPr>
+              <a:t>sind </a:t>
+            </a:r>
+            <a:r>
+              <a:rPr lang="de-DE" sz="3200" dirty="0" smtClean="0">
+                <a:solidFill>
+                  <a:srgbClr val="000000"/>
+                </a:solidFill>
+                <a:latin typeface="Calibri"/>
+              </a:rPr>
+              <a:t>austauschbar</a:t>
+            </a:r>
+            <a:endParaRPr dirty="0"/>
           </a:p>
           <a:p>
             <a:pPr>
@@ -6117,15 +6350,24 @@
               <a:buChar char="•"/>
             </a:pPr>
             <a:r>
-              <a:rPr lang="de-DE" sz="3200">
-                <a:solidFill>
-                  <a:srgbClr val="000000"/>
-                </a:solidFill>
-                <a:latin typeface="Calibri"/>
-              </a:rPr>
-              <a:t>Testen der Anwendung vereinfacht ( bessere Wartbarkeit)</a:t>
-            </a:r>
-            <a:endParaRPr/>
+              <a:rPr lang="de-DE" sz="3200" dirty="0" smtClean="0">
+                <a:solidFill>
+                  <a:srgbClr val="000000"/>
+                </a:solidFill>
+                <a:latin typeface="Calibri"/>
+              </a:rPr>
+              <a:t> Testen </a:t>
+            </a:r>
+            <a:r>
+              <a:rPr lang="de-DE" sz="3200" dirty="0">
+                <a:solidFill>
+                  <a:srgbClr val="000000"/>
+                </a:solidFill>
+                <a:latin typeface="Calibri"/>
+              </a:rPr>
+              <a:t>der Anwendung vereinfacht ( bessere Wartbarkeit)</a:t>
+            </a:r>
+            <a:endParaRPr dirty="0"/>
           </a:p>
           <a:p>
             <a:pPr>
@@ -6136,15 +6378,24 @@
               <a:buChar char="•"/>
             </a:pPr>
             <a:r>
-              <a:rPr lang="de-DE" sz="3200">
-                <a:solidFill>
-                  <a:srgbClr val="000000"/>
-                </a:solidFill>
-                <a:latin typeface="Calibri"/>
-              </a:rPr>
-              <a:t>Einfach erweiterbar</a:t>
-            </a:r>
-            <a:endParaRPr/>
+              <a:rPr lang="de-DE" sz="3200" dirty="0" smtClean="0">
+                <a:solidFill>
+                  <a:srgbClr val="000000"/>
+                </a:solidFill>
+                <a:latin typeface="Calibri"/>
+              </a:rPr>
+              <a:t> Einfach </a:t>
+            </a:r>
+            <a:r>
+              <a:rPr lang="de-DE" sz="3200" dirty="0">
+                <a:solidFill>
+                  <a:srgbClr val="000000"/>
+                </a:solidFill>
+                <a:latin typeface="Calibri"/>
+              </a:rPr>
+              <a:t>erweiterbar</a:t>
+            </a:r>
+            <a:endParaRPr dirty="0"/>
           </a:p>
           <a:p>
             <a:pPr>
@@ -6155,15 +6406,24 @@
               <a:buChar char="•"/>
             </a:pPr>
             <a:r>
-              <a:rPr lang="de-DE" sz="3200">
-                <a:solidFill>
-                  <a:srgbClr val="000000"/>
-                </a:solidFill>
-                <a:latin typeface="Calibri"/>
-              </a:rPr>
-              <a:t>Klare Aufgabenteilung der Komponenten </a:t>
-            </a:r>
-            <a:endParaRPr/>
+              <a:rPr lang="de-DE" sz="3200" dirty="0" smtClean="0">
+                <a:solidFill>
+                  <a:srgbClr val="000000"/>
+                </a:solidFill>
+                <a:latin typeface="Calibri"/>
+              </a:rPr>
+              <a:t> Klare </a:t>
+            </a:r>
+            <a:r>
+              <a:rPr lang="de-DE" sz="3200" dirty="0">
+                <a:solidFill>
+                  <a:srgbClr val="000000"/>
+                </a:solidFill>
+                <a:latin typeface="Calibri"/>
+              </a:rPr>
+              <a:t>Aufgabenteilung der Komponenten </a:t>
+            </a:r>
+            <a:endParaRPr dirty="0"/>
           </a:p>
           <a:p>
             <a:pPr>
@@ -6171,7 +6431,7 @@
                 <a:spcPct val="100000"/>
               </a:lnSpc>
             </a:pPr>
-            <a:endParaRPr/>
+            <a:endParaRPr dirty="0"/>
           </a:p>
         </p:txBody>
       </p:sp>
@@ -6355,15 +6615,15 @@
               <a:buChar char="•"/>
             </a:pPr>
             <a:r>
-              <a:rPr lang="de-DE" sz="3200">
-                <a:solidFill>
-                  <a:srgbClr val="000000"/>
-                </a:solidFill>
-                <a:latin typeface="Calibri"/>
-              </a:rPr>
-              <a:t>Hoher Designaufwand</a:t>
-            </a:r>
-            <a:endParaRPr/>
+              <a:rPr lang="de-DE" sz="4000" dirty="0" smtClean="0">
+                <a:solidFill>
+                  <a:srgbClr val="000000"/>
+                </a:solidFill>
+                <a:latin typeface="Calibri"/>
+              </a:rPr>
+              <a:t> Hoher Design- und         Implementierungsaufwand</a:t>
+            </a:r>
+            <a:endParaRPr sz="4000" dirty="0"/>
           </a:p>
           <a:p>
             <a:pPr>
@@ -6373,16 +6633,12 @@
               <a:buFont typeface="Arial"/>
               <a:buChar char="•"/>
             </a:pPr>
-            <a:r>
-              <a:rPr lang="de-DE" sz="3200">
-                <a:solidFill>
-                  <a:srgbClr val="000000"/>
-                </a:solidFill>
-                <a:latin typeface="Calibri"/>
-              </a:rPr>
-              <a:t>Nicht auf jedes Szenario anwendbar</a:t>
-            </a:r>
-            <a:endParaRPr/>
+            <a:endParaRPr lang="de-DE" sz="4000" dirty="0" smtClean="0">
+              <a:solidFill>
+                <a:srgbClr val="000000"/>
+              </a:solidFill>
+              <a:latin typeface="Calibri"/>
+            </a:endParaRPr>
           </a:p>
           <a:p>
             <a:pPr>
@@ -6392,24 +6648,40 @@
               <a:buFont typeface="Arial"/>
               <a:buChar char="•"/>
             </a:pPr>
-            <a:r>
-              <a:rPr lang="de-DE" sz="3200">
-                <a:solidFill>
-                  <a:srgbClr val="000000"/>
-                </a:solidFill>
-                <a:latin typeface="Calibri"/>
-              </a:rPr>
-              <a:t>Je nach Implementierungsart:</a:t>
-            </a:r>
-            <a:endParaRPr/>
+            <a:endParaRPr lang="de-DE" sz="4000" dirty="0">
+              <a:solidFill>
+                <a:srgbClr val="000000"/>
+              </a:solidFill>
+              <a:latin typeface="Calibri"/>
+            </a:endParaRPr>
           </a:p>
           <a:p>
             <a:pPr>
               <a:lnSpc>
                 <a:spcPct val="100000"/>
               </a:lnSpc>
-            </a:pPr>
-            <a:endParaRPr/>
+              <a:buFont typeface="Arial"/>
+              <a:buChar char="•"/>
+            </a:pPr>
+            <a:r>
+              <a:rPr lang="de-DE" sz="4000" dirty="0" smtClean="0">
+                <a:solidFill>
+                  <a:srgbClr val="000000"/>
+                </a:solidFill>
+                <a:latin typeface="Calibri"/>
+              </a:rPr>
+              <a:t> Nicht </a:t>
+            </a:r>
+            <a:r>
+              <a:rPr lang="de-DE" sz="4000" dirty="0">
+                <a:solidFill>
+                  <a:srgbClr val="000000"/>
+                </a:solidFill>
+                <a:latin typeface="Calibri"/>
+              </a:rPr>
+              <a:t>auf jedes Szenario anwendbar</a:t>
+            </a:r>
+            <a:endParaRPr sz="4000" dirty="0"/>
           </a:p>
           <a:p>
             <a:pPr>
@@ -6417,7 +6689,7 @@
                 <a:spcPct val="100000"/>
               </a:lnSpc>
             </a:pPr>
-            <a:endParaRPr/>
+            <a:endParaRPr lang="de-DE" sz="4000" dirty="0" smtClean="0"/>
           </a:p>
           <a:p>
             <a:pPr>
@@ -6425,7 +6697,23 @@
                 <a:spcPct val="100000"/>
               </a:lnSpc>
             </a:pPr>
-            <a:endParaRPr/>
+            <a:endParaRPr sz="4000" dirty="0"/>
+          </a:p>
+          <a:p>
+            <a:pPr>
+              <a:lnSpc>
+                <a:spcPct val="100000"/>
+              </a:lnSpc>
+            </a:pPr>
+            <a:endParaRPr sz="4000" dirty="0"/>
+          </a:p>
+          <a:p>
+            <a:pPr>
+              <a:lnSpc>
+                <a:spcPct val="100000"/>
+              </a:lnSpc>
+            </a:pPr>
+            <a:endParaRPr sz="4000" dirty="0"/>
           </a:p>
         </p:txBody>
       </p:sp>
@@ -6500,111 +6788,6 @@
               <a:t>19</a:t>
             </a:fld>
             <a:endParaRPr/>
-          </a:p>
-        </p:txBody>
-      </p:sp>
-      <p:sp>
-        <p:nvSpPr>
-          <p:cNvPr id="284" name="CustomShape 5"/>
-          <p:cNvSpPr/>
-          <p:nvPr/>
-        </p:nvSpPr>
-        <p:spPr>
-          <a:xfrm>
-            <a:off x="2076120" y="5267520"/>
-            <a:ext cx="4765320" cy="577800"/>
-          </a:xfrm>
-          <a:prstGeom prst="rect">
-            <a:avLst/>
-          </a:prstGeom>
-          <a:solidFill>
-            <a:srgbClr val="FAC090"/>
-          </a:solidFill>
-        </p:spPr>
-        <p:txBody>
-          <a:bodyPr wrap="none" lIns="90000" tIns="45000" rIns="90000" bIns="45000"/>
-          <a:lstStyle/>
-          <a:p>
-            <a:pPr>
-              <a:lnSpc>
-                <a:spcPct val="100000"/>
-              </a:lnSpc>
-            </a:pPr>
-            <a:r>
-              <a:rPr lang="de-DE" sz="3200">
-                <a:solidFill>
-                  <a:srgbClr val="000000"/>
-                </a:solidFill>
-                <a:latin typeface="Calibri"/>
-              </a:rPr>
-              <a:t>höherer Resourcenaufwand</a:t>
-            </a:r>
-            <a:endParaRPr/>
-          </a:p>
-        </p:txBody>
-      </p:sp>
-      <p:sp>
-        <p:nvSpPr>
-          <p:cNvPr id="285" name="CustomShape 6"/>
-          <p:cNvSpPr/>
-          <p:nvPr/>
-        </p:nvSpPr>
-        <p:spPr>
-          <a:xfrm>
-            <a:off x="4140000" y="4005000"/>
-            <a:ext cx="863640" cy="1007640"/>
-          </a:xfrm>
-          <a:prstGeom prst="downArrow">
-            <a:avLst>
-              <a:gd name="adj1" fmla="val 50000"/>
-              <a:gd name="adj2" fmla="val 50000"/>
-            </a:avLst>
-          </a:prstGeom>
-          <a:solidFill>
-            <a:srgbClr val="4F81BD"/>
-          </a:solidFill>
-          <a:ln w="25560">
-            <a:solidFill>
-              <a:srgbClr val="3A5F8B"/>
-            </a:solidFill>
-            <a:round/>
-          </a:ln>
-        </p:spPr>
-      </p:sp>
-      <p:sp>
-        <p:nvSpPr>
-          <p:cNvPr id="286" name="CustomShape 7"/>
-          <p:cNvSpPr/>
-          <p:nvPr/>
-        </p:nvSpPr>
-        <p:spPr>
-          <a:xfrm>
-            <a:off x="6372360" y="3789000"/>
-            <a:ext cx="2304000" cy="364680"/>
-          </a:xfrm>
-          <a:prstGeom prst="rect">
-            <a:avLst/>
-          </a:prstGeom>
-        </p:spPr>
-        <p:txBody>
-          <a:bodyPr lIns="90000" tIns="45000" rIns="90000" bIns="45000"/>
-          <a:lstStyle/>
-          <a:p>
-            <a:pPr>
-              <a:lnSpc>
-                <a:spcPct val="100000"/>
-              </a:lnSpc>
-            </a:pPr>
-            <a:r>
-              <a:rPr lang="de-DE" dirty="0">
-                <a:solidFill>
-                  <a:srgbClr val="FF0000"/>
-                </a:solidFill>
-                <a:latin typeface="Calibri"/>
-              </a:rPr>
-              <a:t>Erklärung noch </a:t>
-            </a:r>
-            <a:endParaRPr dirty="0"/>
           </a:p>
         </p:txBody>
       </p:sp>
@@ -7258,7 +7441,7 @@
         </p:nvSpPr>
         <p:spPr>
           <a:xfrm>
-            <a:off x="683640" y="1484640"/>
+            <a:off x="756096" y="1557080"/>
             <a:ext cx="1439640" cy="2592000"/>
           </a:xfrm>
           <a:prstGeom prst="flowChartAlternateProcess">
@@ -7283,7 +7466,7 @@
         </p:nvSpPr>
         <p:spPr>
           <a:xfrm>
-            <a:off x="899640" y="1700640"/>
+            <a:off x="1043608" y="1808640"/>
             <a:ext cx="935640" cy="791640"/>
           </a:xfrm>
           <a:prstGeom prst="ellipse">
@@ -7308,7 +7491,7 @@
         </p:nvSpPr>
         <p:spPr>
           <a:xfrm>
-            <a:off x="935640" y="2997000"/>
+            <a:off x="1043608" y="2997000"/>
             <a:ext cx="935640" cy="791640"/>
           </a:xfrm>
           <a:prstGeom prst="ellipse">
@@ -8791,7 +8974,7 @@
 </file>
 
 <file path=ppt/slides/slide7.xml><?xml version="1.0" encoding="utf-8"?>
-<p:sld xmlns:a="http://schemas.openxmlformats.org/drawingml/2006/main" xmlns:r="http://schemas.openxmlformats.org/officeDocument/2006/relationships" xmlns:p="http://schemas.openxmlformats.org/presentationml/2006/main">
+<p:sld xmlns:a="http://schemas.openxmlformats.org/drawingml/2006/main" xmlns:r="http://schemas.openxmlformats.org/officeDocument/2006/relationships" xmlns:p="http://schemas.openxmlformats.org/presentationml/2006/main" show="0">
   <p:cSld>
     <p:spTree>
       <p:nvGrpSpPr>
@@ -9056,6 +9239,14 @@
   <p:clrMapOvr>
     <a:masterClrMapping/>
   </p:clrMapOvr>
+  <mc:AlternateContent xmlns:mc="http://schemas.openxmlformats.org/markup-compatibility/2006">
+    <mc:Choice xmlns:p14="http://schemas.microsoft.com/office/powerpoint/2010/main" Requires="p14">
+      <p:transition spd="slow" p14:dur="2000"/>
+    </mc:Choice>
+    <mc:Fallback>
+      <p:transition spd="slow"/>
+    </mc:Fallback>
+  </mc:AlternateContent>
   <p:timing>
     <p:tnLst>
       <p:par>
@@ -9421,15 +9612,24 @@
               </a:lnSpc>
             </a:pPr>
             <a:r>
-              <a:rPr lang="de-DE" sz="3200">
-                <a:solidFill>
-                  <a:srgbClr val="000000"/>
-                </a:solidFill>
-                <a:latin typeface="Calibri"/>
-              </a:rPr>
-              <a:t>Aufgabe: Die View</a:t>
-            </a:r>
-            <a:endParaRPr/>
+              <a:rPr lang="de-DE" sz="3200" dirty="0">
+                <a:solidFill>
+                  <a:srgbClr val="000000"/>
+                </a:solidFill>
+                <a:latin typeface="Calibri"/>
+              </a:rPr>
+              <a:t>Aufgabe: Die </a:t>
+            </a:r>
+            <a:r>
+              <a:rPr lang="de-DE" sz="3200" dirty="0" smtClean="0">
+                <a:solidFill>
+                  <a:srgbClr val="000000"/>
+                </a:solidFill>
+                <a:latin typeface="Calibri"/>
+              </a:rPr>
+              <a:t>View (passiv)</a:t>
+            </a:r>
+            <a:endParaRPr dirty="0"/>
           </a:p>
         </p:txBody>
       </p:sp>
